--- a/documents/00_Sitzungen/Milestone_1/Meilenstein1.pptx
+++ b/documents/00_Sitzungen/Milestone_1/Meilenstein1.pptx
@@ -14,7 +14,7 @@
     <p:sldId id="261" r:id="rId8"/>
     <p:sldId id="262" r:id="rId9"/>
     <p:sldId id="263" r:id="rId10"/>
-    <p:sldId id="264" r:id="rId11"/>
+    <p:sldId id="266" r:id="rId11"/>
   </p:sldIdLst>
   <p:sldSz cx="12192000" cy="6858000"/>
   <p:notesSz cx="6858000" cy="9144000"/>
@@ -113,6 +113,11 @@
       </a:defRPr>
     </a:lvl9pPr>
   </p:defaultTextStyle>
+  <p:extLst>
+    <p:ext uri="{EFAFB233-063F-42B5-8137-9DF3F51BA10A}">
+      <p15:sldGuideLst xmlns:p15="http://schemas.microsoft.com/office/powerpoint/2012/main"/>
+    </p:ext>
+  </p:extLst>
 </p:presentation>
 </file>
 
@@ -1226,7 +1231,7 @@
           <a:p>
             <a:fld id="{506EE3B9-BFD3-4836-85E3-38E3B5379BB2}" type="datetimeFigureOut">
               <a:rPr lang="de-CH" smtClean="0"/>
-              <a:t>08.03.2018</a:t>
+              <a:t>09.03.2018</a:t>
             </a:fld>
             <a:endParaRPr lang="de-CH"/>
           </a:p>
@@ -1426,7 +1431,7 @@
           <a:p>
             <a:fld id="{506EE3B9-BFD3-4836-85E3-38E3B5379BB2}" type="datetimeFigureOut">
               <a:rPr lang="de-CH" smtClean="0"/>
-              <a:t>08.03.2018</a:t>
+              <a:t>09.03.2018</a:t>
             </a:fld>
             <a:endParaRPr lang="de-CH"/>
           </a:p>
@@ -1636,7 +1641,7 @@
           <a:p>
             <a:fld id="{506EE3B9-BFD3-4836-85E3-38E3B5379BB2}" type="datetimeFigureOut">
               <a:rPr lang="de-CH" smtClean="0"/>
-              <a:t>08.03.2018</a:t>
+              <a:t>09.03.2018</a:t>
             </a:fld>
             <a:endParaRPr lang="de-CH"/>
           </a:p>
@@ -1836,7 +1841,7 @@
           <a:p>
             <a:fld id="{506EE3B9-BFD3-4836-85E3-38E3B5379BB2}" type="datetimeFigureOut">
               <a:rPr lang="de-CH" smtClean="0"/>
-              <a:t>08.03.2018</a:t>
+              <a:t>09.03.2018</a:t>
             </a:fld>
             <a:endParaRPr lang="de-CH"/>
           </a:p>
@@ -2112,7 +2117,7 @@
           <a:p>
             <a:fld id="{506EE3B9-BFD3-4836-85E3-38E3B5379BB2}" type="datetimeFigureOut">
               <a:rPr lang="de-CH" smtClean="0"/>
-              <a:t>08.03.2018</a:t>
+              <a:t>09.03.2018</a:t>
             </a:fld>
             <a:endParaRPr lang="de-CH"/>
           </a:p>
@@ -2380,7 +2385,7 @@
           <a:p>
             <a:fld id="{506EE3B9-BFD3-4836-85E3-38E3B5379BB2}" type="datetimeFigureOut">
               <a:rPr lang="de-CH" smtClean="0"/>
-              <a:t>08.03.2018</a:t>
+              <a:t>09.03.2018</a:t>
             </a:fld>
             <a:endParaRPr lang="de-CH"/>
           </a:p>
@@ -2795,7 +2800,7 @@
           <a:p>
             <a:fld id="{506EE3B9-BFD3-4836-85E3-38E3B5379BB2}" type="datetimeFigureOut">
               <a:rPr lang="de-CH" smtClean="0"/>
-              <a:t>08.03.2018</a:t>
+              <a:t>09.03.2018</a:t>
             </a:fld>
             <a:endParaRPr lang="de-CH"/>
           </a:p>
@@ -2937,7 +2942,7 @@
           <a:p>
             <a:fld id="{506EE3B9-BFD3-4836-85E3-38E3B5379BB2}" type="datetimeFigureOut">
               <a:rPr lang="de-CH" smtClean="0"/>
-              <a:t>08.03.2018</a:t>
+              <a:t>09.03.2018</a:t>
             </a:fld>
             <a:endParaRPr lang="de-CH"/>
           </a:p>
@@ -3050,7 +3055,7 @@
           <a:p>
             <a:fld id="{506EE3B9-BFD3-4836-85E3-38E3B5379BB2}" type="datetimeFigureOut">
               <a:rPr lang="de-CH" smtClean="0"/>
-              <a:t>08.03.2018</a:t>
+              <a:t>09.03.2018</a:t>
             </a:fld>
             <a:endParaRPr lang="de-CH"/>
           </a:p>
@@ -3363,7 +3368,7 @@
           <a:p>
             <a:fld id="{506EE3B9-BFD3-4836-85E3-38E3B5379BB2}" type="datetimeFigureOut">
               <a:rPr lang="de-CH" smtClean="0"/>
-              <a:t>08.03.2018</a:t>
+              <a:t>09.03.2018</a:t>
             </a:fld>
             <a:endParaRPr lang="de-CH"/>
           </a:p>
@@ -3652,7 +3657,7 @@
           <a:p>
             <a:fld id="{506EE3B9-BFD3-4836-85E3-38E3B5379BB2}" type="datetimeFigureOut">
               <a:rPr lang="de-CH" smtClean="0"/>
-              <a:t>08.03.2018</a:t>
+              <a:t>09.03.2018</a:t>
             </a:fld>
             <a:endParaRPr lang="de-CH"/>
           </a:p>
@@ -3895,7 +3900,7 @@
           <a:p>
             <a:fld id="{506EE3B9-BFD3-4836-85E3-38E3B5379BB2}" type="datetimeFigureOut">
               <a:rPr lang="de-CH" smtClean="0"/>
-              <a:t>08.03.2018</a:t>
+              <a:t>09.03.2018</a:t>
             </a:fld>
             <a:endParaRPr lang="de-CH"/>
           </a:p>
@@ -4527,21 +4532,21 @@
           <p:cNvPr id="2" name="Titel 1">
             <a:extLst>
               <a:ext uri="{FF2B5EF4-FFF2-40B4-BE49-F238E27FC236}">
-                <a16:creationId xmlns:a16="http://schemas.microsoft.com/office/drawing/2014/main" id="{0401B019-F359-4764-A427-8FCE14F81598}"/>
-              </a:ext>
-            </a:extLst>
-          </p:cNvPr>
-          <p:cNvSpPr>
-            <a:spLocks noGrp="1"/>
-          </p:cNvSpPr>
-          <p:nvPr>
-            <p:ph type="title"/>
+                <a16:creationId xmlns:a16="http://schemas.microsoft.com/office/drawing/2014/main" id="{A062B88F-7C0D-4D82-95F7-03B3368495D4}"/>
+              </a:ext>
+            </a:extLst>
+          </p:cNvPr>
+          <p:cNvSpPr>
+            <a:spLocks noGrp="1"/>
+          </p:cNvSpPr>
+          <p:nvPr>
+            <p:ph type="ctrTitle"/>
           </p:nvPr>
         </p:nvSpPr>
         <p:spPr>
           <a:xfrm>
-            <a:off x="719667" y="135468"/>
-            <a:ext cx="10769600" cy="1266296"/>
+            <a:off x="508001" y="1122363"/>
+            <a:ext cx="11218332" cy="2387600"/>
           </a:xfrm>
         </p:spPr>
         <p:txBody>
@@ -4549,6 +4554,58 @@
             <a:normAutofit/>
           </a:bodyPr>
           <a:lstStyle/>
+          <a:p>
+            <a:r>
+              <a:rPr lang="de-CH" sz="9600" b="1" dirty="0">
+                <a:solidFill>
+                  <a:schemeClr val="bg1"/>
+                </a:solidFill>
+                <a:latin typeface="+mn-lt"/>
+              </a:rPr>
+              <a:t> Sitzungsende</a:t>
+            </a:r>
+          </a:p>
+        </p:txBody>
+      </p:sp>
+      <p:sp>
+        <p:nvSpPr>
+          <p:cNvPr id="3" name="Untertitel 2">
+            <a:extLst>
+              <a:ext uri="{FF2B5EF4-FFF2-40B4-BE49-F238E27FC236}">
+                <a16:creationId xmlns:a16="http://schemas.microsoft.com/office/drawing/2014/main" id="{6BB48593-C4BB-4FEB-8BCF-3D4DEFA0C74F}"/>
+              </a:ext>
+            </a:extLst>
+          </p:cNvPr>
+          <p:cNvSpPr>
+            <a:spLocks noGrp="1"/>
+          </p:cNvSpPr>
+          <p:nvPr>
+            <p:ph type="subTitle" idx="1"/>
+          </p:nvPr>
+        </p:nvSpPr>
+        <p:spPr>
+          <a:xfrm>
+            <a:off x="1524000" y="3602037"/>
+            <a:ext cx="9144000" cy="2883429"/>
+          </a:xfrm>
+        </p:spPr>
+        <p:txBody>
+          <a:bodyPr/>
+          <a:lstStyle/>
+          <a:p>
+            <a:endParaRPr lang="de-CH" dirty="0">
+              <a:solidFill>
+                <a:schemeClr val="bg1"/>
+              </a:solidFill>
+            </a:endParaRPr>
+          </a:p>
+          <a:p>
+            <a:endParaRPr lang="de-CH" dirty="0">
+              <a:solidFill>
+                <a:schemeClr val="bg1"/>
+              </a:solidFill>
+            </a:endParaRPr>
+          </a:p>
           <a:p>
             <a:r>
               <a:rPr lang="de-CH" sz="6000" b="1" dirty="0">
@@ -4556,55 +4613,54 @@
                   <a:schemeClr val="bg1"/>
                 </a:solidFill>
               </a:rPr>
-              <a:t>Abschluss Sitzung</a:t>
-            </a:r>
-          </a:p>
-        </p:txBody>
-      </p:sp>
-      <p:sp>
-        <p:nvSpPr>
-          <p:cNvPr id="3" name="Inhaltsplatzhalter 2">
-            <a:extLst>
-              <a:ext uri="{FF2B5EF4-FFF2-40B4-BE49-F238E27FC236}">
-                <a16:creationId xmlns:a16="http://schemas.microsoft.com/office/drawing/2014/main" id="{D8B19D9F-EE71-4337-A5B0-92F3F6F2E0D7}"/>
-              </a:ext>
-            </a:extLst>
-          </p:cNvPr>
-          <p:cNvSpPr>
-            <a:spLocks noGrp="1"/>
-          </p:cNvSpPr>
-          <p:nvPr>
-            <p:ph idx="1"/>
-          </p:nvPr>
-        </p:nvSpPr>
-        <p:spPr>
-          <a:xfrm>
-            <a:off x="838200" y="1524000"/>
-            <a:ext cx="10515600" cy="4842933"/>
-          </a:xfrm>
-          <a:solidFill>
-            <a:schemeClr val="bg1"/>
-          </a:solidFill>
-        </p:spPr>
-        <p:txBody>
-          <a:bodyPr>
-            <a:normAutofit/>
-          </a:bodyPr>
-          <a:lstStyle/>
-          <a:p>
-            <a:endParaRPr lang="de-CH" sz="3600" dirty="0"/>
-          </a:p>
-          <a:p>
-            <a:endParaRPr lang="de-CH" sz="3600" dirty="0"/>
+              <a:t>Projekt Gruppe 16</a:t>
+            </a:r>
+            <a:r>
+              <a:rPr lang="de-CH" sz="6000" b="1" dirty="0">
+                <a:solidFill>
+                  <a:schemeClr val="bg1">
+                    <a:alpha val="0"/>
+                  </a:schemeClr>
+                </a:solidFill>
+              </a:rPr>
+              <a:t>      </a:t>
+            </a:r>
+            <a:r>
+              <a:rPr lang="de-CH" sz="5400" dirty="0">
+                <a:solidFill>
+                  <a:schemeClr val="bg1">
+                    <a:alpha val="0"/>
+                  </a:schemeClr>
+                </a:solidFill>
+              </a:rPr>
+              <a:t>-</a:t>
+            </a:r>
+          </a:p>
+          <a:p>
+            <a:endParaRPr lang="de-CH" dirty="0">
+              <a:solidFill>
+                <a:schemeClr val="bg1"/>
+              </a:solidFill>
+            </a:endParaRPr>
+          </a:p>
+          <a:p>
+            <a:r>
+              <a:rPr lang="de-CH" dirty="0">
+                <a:solidFill>
+                  <a:schemeClr val="bg1"/>
+                </a:solidFill>
+              </a:rPr>
+              <a:t>Reto Mayer, Jonas Rüegge, Marco Sutter, Fabian Wipf</a:t>
+            </a:r>
           </a:p>
         </p:txBody>
       </p:sp>
       <p:pic>
         <p:nvPicPr>
-          <p:cNvPr id="5" name="Grafik 4">
-            <a:extLst>
-              <a:ext uri="{FF2B5EF4-FFF2-40B4-BE49-F238E27FC236}">
-                <a16:creationId xmlns:a16="http://schemas.microsoft.com/office/drawing/2014/main" id="{66E24A75-8A64-4E03-A0FE-DD247E90F1D2}"/>
+          <p:cNvPr id="7" name="Grafik 6">
+            <a:extLst>
+              <a:ext uri="{FF2B5EF4-FFF2-40B4-BE49-F238E27FC236}">
+                <a16:creationId xmlns:a16="http://schemas.microsoft.com/office/drawing/2014/main" id="{EF12A104-3A4B-4B58-8C7D-80197AEAD192}"/>
               </a:ext>
             </a:extLst>
           </p:cNvPr>
@@ -4627,8 +4683,8 @@
         </p:blipFill>
         <p:spPr>
           <a:xfrm>
-            <a:off x="10475858" y="241829"/>
-            <a:ext cx="1462142" cy="914400"/>
+            <a:off x="8470214" y="4359719"/>
+            <a:ext cx="2053852" cy="1284446"/>
           </a:xfrm>
           <a:prstGeom prst="rect">
             <a:avLst/>
@@ -4638,7 +4694,7 @@
     </p:spTree>
     <p:extLst>
       <p:ext uri="{BB962C8B-B14F-4D97-AF65-F5344CB8AC3E}">
-        <p14:creationId xmlns:p14="http://schemas.microsoft.com/office/powerpoint/2010/main" val="353827361"/>
+        <p14:creationId xmlns:p14="http://schemas.microsoft.com/office/powerpoint/2010/main" val="1875250308"/>
       </p:ext>
     </p:extLst>
   </p:cSld>
@@ -5734,12 +5790,6 @@
           <a:p>
             <a:r>
               <a:rPr lang="de-CH" sz="3600" dirty="0"/>
-              <a:t>2 Varianten </a:t>
-            </a:r>
-          </a:p>
-          <a:p>
-            <a:r>
-              <a:rPr lang="de-CH" sz="3600" dirty="0"/>
               <a:t>«Tanken» Funktion</a:t>
             </a:r>
           </a:p>
@@ -5747,6 +5797,12 @@
             <a:r>
               <a:rPr lang="de-CH" sz="3600" dirty="0"/>
               <a:t>ER Diagramme (Marco)</a:t>
+            </a:r>
+          </a:p>
+          <a:p>
+            <a:r>
+              <a:rPr lang="de-CH" sz="3600" dirty="0"/>
+              <a:t>Automatisierter Datenbank Update</a:t>
             </a:r>
           </a:p>
           <a:p>
@@ -5865,7 +5921,7 @@
                   <a:schemeClr val="bg1"/>
                 </a:solidFill>
               </a:rPr>
-              <a:t>Präsentation GUI</a:t>
+              <a:t>Präsentation GUI (Fabian Wipf)</a:t>
             </a:r>
           </a:p>
         </p:txBody>
@@ -5906,12 +5962,6 @@
           <a:p>
             <a:r>
               <a:rPr lang="de-CH" sz="3600" dirty="0"/>
-              <a:t>Experte: 		Fabian Wipf</a:t>
-            </a:r>
-          </a:p>
-          <a:p>
-            <a:r>
-              <a:rPr lang="de-CH" sz="3600" dirty="0"/>
               <a:t>Verzeichnis </a:t>
             </a:r>
             <a:r>
@@ -5927,6 +5977,12 @@
             <a:r>
               <a:rPr lang="de-CH" sz="3600" dirty="0"/>
               <a:t>Startseite: 		web/index.html</a:t>
+            </a:r>
+          </a:p>
+          <a:p>
+            <a:r>
+              <a:rPr lang="de-CH" sz="3600" dirty="0"/>
+              <a:t>Wünsche</a:t>
             </a:r>
           </a:p>
         </p:txBody>
@@ -6419,7 +6475,39 @@
             <a:endParaRPr lang="de-CH" sz="3600" dirty="0"/>
           </a:p>
           <a:p>
+            <a:r>
+              <a:rPr lang="de-CH" sz="3600" dirty="0"/>
+              <a:t>Meilenstein 2 – Sitzungsleiter Reto Mayer</a:t>
+            </a:r>
+          </a:p>
+          <a:p>
+            <a:r>
+              <a:rPr lang="de-CH" sz="3600" dirty="0"/>
+              <a:t>Umsetzen Hauptfunktionen</a:t>
+            </a:r>
+          </a:p>
+          <a:p>
             <a:endParaRPr lang="de-CH" sz="3600" dirty="0"/>
+          </a:p>
+          <a:p>
+            <a:r>
+              <a:rPr lang="de-CH" sz="3600" dirty="0"/>
+              <a:t>Ergänzen </a:t>
+            </a:r>
+            <a:r>
+              <a:rPr lang="de-CH" sz="3600" dirty="0" err="1"/>
+              <a:t>UnitTest</a:t>
+            </a:r>
+            <a:r>
+              <a:rPr lang="de-CH" sz="3600" dirty="0"/>
+              <a:t>-Vorlagen</a:t>
+            </a:r>
+          </a:p>
+          <a:p>
+            <a:r>
+              <a:rPr lang="de-CH" sz="3600" dirty="0"/>
+              <a:t>Code Style Guide und erste Code Reviews</a:t>
+            </a:r>
           </a:p>
         </p:txBody>
       </p:sp>

--- a/documents/00_Sitzungen/Milestone_1/Meilenstein1.pptx
+++ b/documents/00_Sitzungen/Milestone_1/Meilenstein1.pptx
@@ -5624,20 +5624,37 @@
           <a:p>
             <a:r>
               <a:rPr lang="de-CH" sz="3600" dirty="0"/>
-              <a:t>Noch offen: #14, #56, #57</a:t>
+              <a:t>Neu: #59 (Abnahmetests Definition)</a:t>
             </a:r>
           </a:p>
           <a:p>
             <a:r>
               <a:rPr lang="de-CH" sz="3600" dirty="0"/>
-              <a:t>Verschoben: #15, #16</a:t>
+              <a:t>Verschoben: #15, #16 (Testklassen)</a:t>
             </a:r>
           </a:p>
           <a:p>
             <a:r>
               <a:rPr lang="de-CH" sz="3600" dirty="0"/>
-              <a:t>Bearbeitet mit Abschluss Milestone 2: #17</a:t>
-            </a:r>
+              <a:t>Bearbeitet mit Abschluss Milestone 2: </a:t>
+            </a:r>
+          </a:p>
+          <a:p>
+            <a:pPr lvl="1"/>
+            <a:r>
+              <a:rPr lang="de-CH" sz="3200" dirty="0"/>
+              <a:t>#14 JS Eingabe</a:t>
+            </a:r>
+          </a:p>
+          <a:p>
+            <a:pPr lvl="1"/>
+            <a:r>
+              <a:rPr lang="de-CH" sz="3200" dirty="0"/>
+              <a:t>#17 Code Guidelines</a:t>
+            </a:r>
+          </a:p>
+          <a:p>
+            <a:endParaRPr lang="de-CH" sz="3600" dirty="0"/>
           </a:p>
         </p:txBody>
       </p:sp>
@@ -5982,7 +5999,7 @@
           <a:p>
             <a:r>
               <a:rPr lang="de-CH" sz="3600" dirty="0"/>
-              <a:t>Wünsche</a:t>
+              <a:t>Anregungen</a:t>
             </a:r>
           </a:p>
         </p:txBody>
@@ -6142,19 +6159,19 @@
           <a:p>
             <a:r>
               <a:rPr lang="de-CH" sz="3600" dirty="0"/>
-              <a:t>Aufwand Anzeige falls gewünscht</a:t>
+              <a:t>Aufwand Anzeige Tanken zusätzlich: ~20h</a:t>
             </a:r>
           </a:p>
           <a:p>
             <a:r>
               <a:rPr lang="de-CH" sz="3600" dirty="0"/>
-              <a:t>Zusätzliche Anforderungen GUI</a:t>
+              <a:t>Anforderungen GUI</a:t>
             </a:r>
           </a:p>
           <a:p>
             <a:r>
               <a:rPr lang="de-CH" sz="3600" dirty="0"/>
-              <a:t>Zusätzliche Funktionswünsche</a:t>
+              <a:t>Inputs durch Kunde</a:t>
             </a:r>
           </a:p>
           <a:p>
